--- a/activities/Sizing/screens.pptx
+++ b/activities/Sizing/screens.pptx
@@ -2959,293 +2959,308 @@
           <a:chExt cx="0" cy="0"/>
         </a:xfrm>
       </p:grpSpPr>
-      <p:pic>
-        <p:nvPicPr>
-          <p:cNvPr id="4" name="Picture 3"/>
-          <p:cNvPicPr>
-            <a:picLocks noChangeAspect="1"/>
-          </p:cNvPicPr>
+      <p:grpSp>
+        <p:nvGrpSpPr>
+          <p:cNvPr id="18" name="Group 17"/>
+          <p:cNvGrpSpPr/>
           <p:nvPr/>
-        </p:nvPicPr>
-        <p:blipFill>
-          <a:blip r:embed="rId2"/>
-          <a:stretch>
-            <a:fillRect/>
-          </a:stretch>
-        </p:blipFill>
-        <p:spPr>
+        </p:nvGrpSpPr>
+        <p:grpSpPr>
           <a:xfrm>
             <a:off x="617543" y="0"/>
-            <a:ext cx="3710725" cy="6858000"/>
+            <a:ext cx="9447292" cy="6858000"/>
+            <a:chOff x="617543" y="0"/>
+            <a:chExt cx="9447292" cy="6858000"/>
           </a:xfrm>
-          <a:prstGeom prst="rect">
-            <a:avLst/>
-          </a:prstGeom>
-        </p:spPr>
-      </p:pic>
-      <p:pic>
-        <p:nvPicPr>
-          <p:cNvPr id="5" name="Picture 4"/>
-          <p:cNvPicPr>
-            <a:picLocks noChangeAspect="1"/>
-          </p:cNvPicPr>
-          <p:nvPr/>
-        </p:nvPicPr>
-        <p:blipFill>
-          <a:blip r:embed="rId3"/>
-          <a:stretch>
-            <a:fillRect/>
-          </a:stretch>
-        </p:blipFill>
-        <p:spPr>
-          <a:xfrm>
-            <a:off x="6354110" y="0"/>
-            <a:ext cx="3710725" cy="6858000"/>
-          </a:xfrm>
-          <a:prstGeom prst="rect">
-            <a:avLst/>
-          </a:prstGeom>
-        </p:spPr>
-      </p:pic>
-      <p:sp>
-        <p:nvSpPr>
-          <p:cNvPr id="6" name="TextBox 5"/>
-          <p:cNvSpPr txBox="1"/>
-          <p:nvPr/>
-        </p:nvSpPr>
-        <p:spPr>
-          <a:xfrm>
-            <a:off x="4328268" y="2343892"/>
-            <a:ext cx="2025842" cy="1169551"/>
-          </a:xfrm>
-          <a:prstGeom prst="rect">
-            <a:avLst/>
-          </a:prstGeom>
-          <a:noFill/>
-        </p:spPr>
-        <p:txBody>
-          <a:bodyPr wrap="square" rtlCol="0">
-            <a:spAutoFit/>
-          </a:bodyPr>
-          <a:lstStyle/>
-          <a:p>
-            <a:r>
-              <a:rPr lang="en-US" sz="1400" dirty="0">
-                <a:latin typeface="Corbel" panose="020B0503020204020204" pitchFamily="34" charset="0"/>
-              </a:rPr>
-              <a:t>A user with motion impairments will find it difficult to tap small buttons that are placed close together.  </a:t>
-            </a:r>
-          </a:p>
-        </p:txBody>
-      </p:sp>
-      <p:sp>
-        <p:nvSpPr>
-          <p:cNvPr id="7" name="Rectangle 6"/>
-          <p:cNvSpPr/>
-          <p:nvPr/>
-        </p:nvSpPr>
-        <p:spPr>
-          <a:xfrm>
-            <a:off x="1966823" y="2682814"/>
-            <a:ext cx="1017917" cy="414069"/>
-          </a:xfrm>
-          <a:prstGeom prst="rect">
-            <a:avLst/>
-          </a:prstGeom>
-          <a:noFill/>
-          <a:ln w="38100">
-            <a:solidFill>
+        </p:grpSpPr>
+        <p:pic>
+          <p:nvPicPr>
+            <p:cNvPr id="4" name="Picture 3"/>
+            <p:cNvPicPr>
+              <a:picLocks noChangeAspect="1"/>
+            </p:cNvPicPr>
+            <p:nvPr/>
+          </p:nvPicPr>
+          <p:blipFill>
+            <a:blip r:embed="rId2"/>
+            <a:stretch>
+              <a:fillRect/>
+            </a:stretch>
+          </p:blipFill>
+          <p:spPr>
+            <a:xfrm>
+              <a:off x="617543" y="0"/>
+              <a:ext cx="3710725" cy="6858000"/>
+            </a:xfrm>
+            <a:prstGeom prst="rect">
+              <a:avLst/>
+            </a:prstGeom>
+          </p:spPr>
+        </p:pic>
+        <p:pic>
+          <p:nvPicPr>
+            <p:cNvPr id="5" name="Picture 4"/>
+            <p:cNvPicPr>
+              <a:picLocks noChangeAspect="1"/>
+            </p:cNvPicPr>
+            <p:nvPr/>
+          </p:nvPicPr>
+          <p:blipFill>
+            <a:blip r:embed="rId3"/>
+            <a:stretch>
+              <a:fillRect/>
+            </a:stretch>
+          </p:blipFill>
+          <p:spPr>
+            <a:xfrm>
+              <a:off x="6354110" y="0"/>
+              <a:ext cx="3710725" cy="6858000"/>
+            </a:xfrm>
+            <a:prstGeom prst="rect">
+              <a:avLst/>
+            </a:prstGeom>
+          </p:spPr>
+        </p:pic>
+        <p:sp>
+          <p:nvSpPr>
+            <p:cNvPr id="6" name="TextBox 5"/>
+            <p:cNvSpPr txBox="1"/>
+            <p:nvPr/>
+          </p:nvSpPr>
+          <p:spPr>
+            <a:xfrm>
+              <a:off x="4328268" y="2343892"/>
+              <a:ext cx="2025842" cy="1169551"/>
+            </a:xfrm>
+            <a:prstGeom prst="rect">
+              <a:avLst/>
+            </a:prstGeom>
+            <a:noFill/>
+          </p:spPr>
+          <p:txBody>
+            <a:bodyPr wrap="square" rtlCol="0">
+              <a:spAutoFit/>
+            </a:bodyPr>
+            <a:lstStyle/>
+            <a:p>
+              <a:r>
+                <a:rPr lang="en-US" sz="1400" dirty="0">
+                  <a:latin typeface="Corbel" panose="020B0503020204020204" pitchFamily="34" charset="0"/>
+                </a:rPr>
+                <a:t>A user with motion impairment will find it difficult to tap small buttons that are placed close together.  </a:t>
+              </a:r>
+            </a:p>
+          </p:txBody>
+        </p:sp>
+        <p:sp>
+          <p:nvSpPr>
+            <p:cNvPr id="7" name="Rectangle 6"/>
+            <p:cNvSpPr/>
+            <p:nvPr/>
+          </p:nvSpPr>
+          <p:spPr>
+            <a:xfrm>
+              <a:off x="1966823" y="2682814"/>
+              <a:ext cx="1017917" cy="414069"/>
+            </a:xfrm>
+            <a:prstGeom prst="rect">
+              <a:avLst/>
+            </a:prstGeom>
+            <a:noFill/>
+            <a:ln w="38100">
+              <a:solidFill>
+                <a:schemeClr val="accent2"/>
+              </a:solidFill>
+            </a:ln>
+          </p:spPr>
+          <p:style>
+            <a:lnRef idx="2">
+              <a:schemeClr val="accent2">
+                <a:shade val="50000"/>
+              </a:schemeClr>
+            </a:lnRef>
+            <a:fillRef idx="1">
               <a:schemeClr val="accent2"/>
-            </a:solidFill>
-          </a:ln>
-        </p:spPr>
-        <p:style>
-          <a:lnRef idx="2">
-            <a:schemeClr val="accent2">
-              <a:shade val="50000"/>
-            </a:schemeClr>
-          </a:lnRef>
-          <a:fillRef idx="1">
-            <a:schemeClr val="accent2"/>
-          </a:fillRef>
-          <a:effectRef idx="0">
-            <a:schemeClr val="accent2"/>
-          </a:effectRef>
-          <a:fontRef idx="minor">
-            <a:schemeClr val="lt1"/>
-          </a:fontRef>
-        </p:style>
-        <p:txBody>
-          <a:bodyPr rtlCol="0" anchor="ctr"/>
-          <a:lstStyle/>
-          <a:p>
-            <a:pPr algn="ctr"/>
-            <a:endParaRPr lang="en-US"/>
-          </a:p>
-        </p:txBody>
-      </p:sp>
-      <p:cxnSp>
-        <p:nvCxnSpPr>
-          <p:cNvPr id="8" name="Connector: Curved 7"/>
-          <p:cNvCxnSpPr>
-            <a:cxnSpLocks/>
-          </p:cNvCxnSpPr>
-          <p:nvPr/>
-        </p:nvCxnSpPr>
-        <p:spPr>
-          <a:xfrm rot="10800000">
-            <a:off x="2984741" y="2889849"/>
-            <a:ext cx="1440611" cy="336431"/>
-          </a:xfrm>
-          <a:prstGeom prst="curvedConnector3">
-            <a:avLst>
-              <a:gd name="adj1" fmla="val 50000"/>
-            </a:avLst>
-          </a:prstGeom>
-          <a:ln>
-            <a:tailEnd type="triangle"/>
-          </a:ln>
-        </p:spPr>
-        <p:style>
-          <a:lnRef idx="3">
-            <a:schemeClr val="accent2"/>
-          </a:lnRef>
-          <a:fillRef idx="0">
-            <a:schemeClr val="accent2"/>
-          </a:fillRef>
-          <a:effectRef idx="2">
-            <a:schemeClr val="accent2"/>
-          </a:effectRef>
-          <a:fontRef idx="minor">
-            <a:schemeClr val="tx1"/>
-          </a:fontRef>
-        </p:style>
-      </p:cxnSp>
-      <p:sp>
-        <p:nvSpPr>
-          <p:cNvPr id="12" name="TextBox 11"/>
-          <p:cNvSpPr txBox="1"/>
-          <p:nvPr/>
-        </p:nvSpPr>
-        <p:spPr>
-          <a:xfrm>
-            <a:off x="4328268" y="3872589"/>
-            <a:ext cx="2025842" cy="1815882"/>
-          </a:xfrm>
-          <a:prstGeom prst="rect">
-            <a:avLst/>
-          </a:prstGeom>
-          <a:noFill/>
-        </p:spPr>
-        <p:txBody>
-          <a:bodyPr wrap="square" rtlCol="0">
-            <a:spAutoFit/>
-          </a:bodyPr>
-          <a:lstStyle/>
-          <a:p>
-            <a:r>
-              <a:rPr lang="en-US" sz="1400" dirty="0">
-                <a:latin typeface="Corbel" panose="020B0503020204020204" pitchFamily="34" charset="0"/>
-              </a:rPr>
-              <a:t>The </a:t>
-            </a:r>
-            <a:r>
-              <a:rPr lang="en-US" sz="1400" i="1" dirty="0">
-                <a:latin typeface="Corbel" panose="020B0503020204020204" pitchFamily="34" charset="0"/>
-              </a:rPr>
-              <a:t>Alternate Rendering</a:t>
-            </a:r>
-            <a:r>
-              <a:rPr lang="en-US" sz="1400" dirty="0">
-                <a:latin typeface="Corbel" panose="020B0503020204020204" pitchFamily="34" charset="0"/>
-              </a:rPr>
-              <a:t> of the app moves the buttons around the screen as a means to simulate a motion impairment user finding it difficult to click the buttons.  </a:t>
-            </a:r>
-          </a:p>
-        </p:txBody>
-      </p:sp>
-      <p:sp>
-        <p:nvSpPr>
-          <p:cNvPr id="13" name="Rectangle 12"/>
-          <p:cNvSpPr/>
-          <p:nvPr/>
-        </p:nvSpPr>
-        <p:spPr>
-          <a:xfrm>
-            <a:off x="7697637" y="2596552"/>
-            <a:ext cx="954656" cy="629730"/>
-          </a:xfrm>
-          <a:prstGeom prst="rect">
-            <a:avLst/>
-          </a:prstGeom>
-          <a:noFill/>
-          <a:ln w="38100">
-            <a:solidFill>
+            </a:fillRef>
+            <a:effectRef idx="0">
               <a:schemeClr val="accent2"/>
-            </a:solidFill>
-          </a:ln>
-        </p:spPr>
-        <p:style>
-          <a:lnRef idx="2">
-            <a:schemeClr val="accent2">
-              <a:shade val="50000"/>
-            </a:schemeClr>
-          </a:lnRef>
-          <a:fillRef idx="1">
-            <a:schemeClr val="accent2"/>
-          </a:fillRef>
-          <a:effectRef idx="0">
-            <a:schemeClr val="accent2"/>
-          </a:effectRef>
-          <a:fontRef idx="minor">
-            <a:schemeClr val="lt1"/>
-          </a:fontRef>
-        </p:style>
-        <p:txBody>
-          <a:bodyPr rtlCol="0" anchor="ctr"/>
-          <a:lstStyle/>
-          <a:p>
-            <a:pPr algn="ctr"/>
-            <a:endParaRPr lang="en-US"/>
-          </a:p>
-        </p:txBody>
-      </p:sp>
-      <p:cxnSp>
-        <p:nvCxnSpPr>
-          <p:cNvPr id="14" name="Connector: Curved 13"/>
-          <p:cNvCxnSpPr>
-            <a:cxnSpLocks/>
-            <a:endCxn id="13" idx="2"/>
-          </p:cNvCxnSpPr>
-          <p:nvPr/>
-        </p:nvCxnSpPr>
-        <p:spPr>
-          <a:xfrm flipV="1">
-            <a:off x="5943600" y="3226282"/>
-            <a:ext cx="2231365" cy="1526873"/>
-          </a:xfrm>
-          <a:prstGeom prst="curvedConnector2">
-            <a:avLst/>
-          </a:prstGeom>
-          <a:ln>
-            <a:tailEnd type="triangle"/>
-          </a:ln>
-        </p:spPr>
-        <p:style>
-          <a:lnRef idx="3">
-            <a:schemeClr val="accent2"/>
-          </a:lnRef>
-          <a:fillRef idx="0">
-            <a:schemeClr val="accent2"/>
-          </a:fillRef>
-          <a:effectRef idx="2">
-            <a:schemeClr val="accent2"/>
-          </a:effectRef>
-          <a:fontRef idx="minor">
-            <a:schemeClr val="tx1"/>
-          </a:fontRef>
-        </p:style>
-      </p:cxnSp>
+            </a:effectRef>
+            <a:fontRef idx="minor">
+              <a:schemeClr val="lt1"/>
+            </a:fontRef>
+          </p:style>
+          <p:txBody>
+            <a:bodyPr rtlCol="0" anchor="ctr"/>
+            <a:lstStyle/>
+            <a:p>
+              <a:pPr algn="ctr"/>
+              <a:endParaRPr lang="en-US"/>
+            </a:p>
+          </p:txBody>
+        </p:sp>
+        <p:cxnSp>
+          <p:nvCxnSpPr>
+            <p:cNvPr id="8" name="Connector: Curved 7"/>
+            <p:cNvCxnSpPr>
+              <a:cxnSpLocks/>
+            </p:cNvCxnSpPr>
+            <p:nvPr/>
+          </p:nvCxnSpPr>
+          <p:spPr>
+            <a:xfrm rot="10800000">
+              <a:off x="2984741" y="2889849"/>
+              <a:ext cx="1440611" cy="336431"/>
+            </a:xfrm>
+            <a:prstGeom prst="curvedConnector3">
+              <a:avLst>
+                <a:gd name="adj1" fmla="val 50000"/>
+              </a:avLst>
+            </a:prstGeom>
+            <a:ln>
+              <a:tailEnd type="triangle"/>
+            </a:ln>
+          </p:spPr>
+          <p:style>
+            <a:lnRef idx="3">
+              <a:schemeClr val="accent2"/>
+            </a:lnRef>
+            <a:fillRef idx="0">
+              <a:schemeClr val="accent2"/>
+            </a:fillRef>
+            <a:effectRef idx="2">
+              <a:schemeClr val="accent2"/>
+            </a:effectRef>
+            <a:fontRef idx="minor">
+              <a:schemeClr val="tx1"/>
+            </a:fontRef>
+          </p:style>
+        </p:cxnSp>
+        <p:sp>
+          <p:nvSpPr>
+            <p:cNvPr id="12" name="TextBox 11"/>
+            <p:cNvSpPr txBox="1"/>
+            <p:nvPr/>
+          </p:nvSpPr>
+          <p:spPr>
+            <a:xfrm>
+              <a:off x="4328268" y="3872589"/>
+              <a:ext cx="2025842" cy="1600438"/>
+            </a:xfrm>
+            <a:prstGeom prst="rect">
+              <a:avLst/>
+            </a:prstGeom>
+            <a:noFill/>
+          </p:spPr>
+          <p:txBody>
+            <a:bodyPr wrap="square" rtlCol="0">
+              <a:spAutoFit/>
+            </a:bodyPr>
+            <a:lstStyle/>
+            <a:p>
+              <a:r>
+                <a:rPr lang="en-US" sz="1400" dirty="0">
+                  <a:latin typeface="Corbel" panose="020B0503020204020204" pitchFamily="34" charset="0"/>
+                </a:rPr>
+                <a:t>The </a:t>
+              </a:r>
+              <a:r>
+                <a:rPr lang="en-US" sz="1400" i="1" dirty="0">
+                  <a:latin typeface="Corbel" panose="020B0503020204020204" pitchFamily="34" charset="0"/>
+                </a:rPr>
+                <a:t>Alternate Rendering</a:t>
+              </a:r>
+              <a:r>
+                <a:rPr lang="en-US" sz="1400" dirty="0">
+                  <a:latin typeface="Corbel" panose="020B0503020204020204" pitchFamily="34" charset="0"/>
+                </a:rPr>
+                <a:t> of the app moves the buttons around the screen to simulate a motion impairment user finding it difficult to tap the buttons.  </a:t>
+              </a:r>
+            </a:p>
+          </p:txBody>
+        </p:sp>
+        <p:sp>
+          <p:nvSpPr>
+            <p:cNvPr id="13" name="Rectangle 12"/>
+            <p:cNvSpPr/>
+            <p:nvPr/>
+          </p:nvSpPr>
+          <p:spPr>
+            <a:xfrm>
+              <a:off x="7697637" y="2596552"/>
+              <a:ext cx="954656" cy="629730"/>
+            </a:xfrm>
+            <a:prstGeom prst="rect">
+              <a:avLst/>
+            </a:prstGeom>
+            <a:noFill/>
+            <a:ln w="38100">
+              <a:solidFill>
+                <a:schemeClr val="accent2"/>
+              </a:solidFill>
+            </a:ln>
+          </p:spPr>
+          <p:style>
+            <a:lnRef idx="2">
+              <a:schemeClr val="accent2">
+                <a:shade val="50000"/>
+              </a:schemeClr>
+            </a:lnRef>
+            <a:fillRef idx="1">
+              <a:schemeClr val="accent2"/>
+            </a:fillRef>
+            <a:effectRef idx="0">
+              <a:schemeClr val="accent2"/>
+            </a:effectRef>
+            <a:fontRef idx="minor">
+              <a:schemeClr val="lt1"/>
+            </a:fontRef>
+          </p:style>
+          <p:txBody>
+            <a:bodyPr rtlCol="0" anchor="ctr"/>
+            <a:lstStyle/>
+            <a:p>
+              <a:pPr algn="ctr"/>
+              <a:endParaRPr lang="en-US"/>
+            </a:p>
+          </p:txBody>
+        </p:sp>
+        <p:cxnSp>
+          <p:nvCxnSpPr>
+            <p:cNvPr id="14" name="Connector: Curved 13"/>
+            <p:cNvCxnSpPr>
+              <a:cxnSpLocks/>
+              <a:endCxn id="13" idx="2"/>
+            </p:cNvCxnSpPr>
+            <p:nvPr/>
+          </p:nvCxnSpPr>
+          <p:spPr>
+            <a:xfrm flipV="1">
+              <a:off x="5943600" y="3226282"/>
+              <a:ext cx="2231365" cy="1526873"/>
+            </a:xfrm>
+            <a:prstGeom prst="curvedConnector2">
+              <a:avLst/>
+            </a:prstGeom>
+            <a:ln>
+              <a:tailEnd type="triangle"/>
+            </a:ln>
+          </p:spPr>
+          <p:style>
+            <a:lnRef idx="3">
+              <a:schemeClr val="accent2"/>
+            </a:lnRef>
+            <a:fillRef idx="0">
+              <a:schemeClr val="accent2"/>
+            </a:fillRef>
+            <a:effectRef idx="2">
+              <a:schemeClr val="accent2"/>
+            </a:effectRef>
+            <a:fontRef idx="minor">
+              <a:schemeClr val="tx1"/>
+            </a:fontRef>
+          </p:style>
+        </p:cxnSp>
+      </p:grpSp>
     </p:spTree>
     <p:extLst>
       <p:ext uri="{BB962C8B-B14F-4D97-AF65-F5344CB8AC3E}">
